--- a/Exercises/state_space/state_space_exercise.pptx
+++ b/Exercises/state_space/state_space_exercise.pptx
@@ -208,7 +208,7 @@
           <a:p>
             <a:fld id="{99D4630A-6D3B-4C97-A7DC-509EB0048625}" type="datetimeFigureOut">
               <a:rPr lang="it-CH" smtClean="0"/>
-              <a:t>09.04.24</a:t>
+              <a:t>16.04.24</a:t>
             </a:fld>
             <a:endParaRPr lang="it-CH"/>
           </a:p>
@@ -1647,7 +1647,7 @@
           <a:p>
             <a:fld id="{2A147C38-CC24-4E9D-9FE1-BE5105214113}" type="datetimeFigureOut">
               <a:rPr lang="it-CH" smtClean="0"/>
-              <a:t>09.04.24</a:t>
+              <a:t>16.04.24</a:t>
             </a:fld>
             <a:endParaRPr lang="it-CH"/>
           </a:p>
@@ -1855,7 +1855,7 @@
           <a:p>
             <a:fld id="{2A147C38-CC24-4E9D-9FE1-BE5105214113}" type="datetimeFigureOut">
               <a:rPr lang="it-CH" smtClean="0"/>
-              <a:t>09.04.24</a:t>
+              <a:t>16.04.24</a:t>
             </a:fld>
             <a:endParaRPr lang="it-CH"/>
           </a:p>
@@ -2068,7 +2068,7 @@
           <a:p>
             <a:fld id="{2A147C38-CC24-4E9D-9FE1-BE5105214113}" type="datetimeFigureOut">
               <a:rPr lang="it-CH" smtClean="0"/>
-              <a:t>09.04.24</a:t>
+              <a:t>16.04.24</a:t>
             </a:fld>
             <a:endParaRPr lang="it-CH"/>
           </a:p>
@@ -2399,7 +2399,7 @@
           <a:p>
             <a:fld id="{2A147C38-CC24-4E9D-9FE1-BE5105214113}" type="datetimeFigureOut">
               <a:rPr lang="it-CH" smtClean="0"/>
-              <a:t>09.04.24</a:t>
+              <a:t>16.04.24</a:t>
             </a:fld>
             <a:endParaRPr lang="it-CH"/>
           </a:p>
@@ -2678,7 +2678,7 @@
           <a:p>
             <a:fld id="{2A147C38-CC24-4E9D-9FE1-BE5105214113}" type="datetimeFigureOut">
               <a:rPr lang="it-CH" smtClean="0"/>
-              <a:t>09.04.24</a:t>
+              <a:t>16.04.24</a:t>
             </a:fld>
             <a:endParaRPr lang="it-CH"/>
           </a:p>
@@ -2954,7 +2954,7 @@
           <a:p>
             <a:fld id="{2A147C38-CC24-4E9D-9FE1-BE5105214113}" type="datetimeFigureOut">
               <a:rPr lang="it-CH" smtClean="0"/>
-              <a:t>09.04.24</a:t>
+              <a:t>16.04.24</a:t>
             </a:fld>
             <a:endParaRPr lang="it-CH"/>
           </a:p>
@@ -3372,7 +3372,7 @@
           <a:p>
             <a:fld id="{2A147C38-CC24-4E9D-9FE1-BE5105214113}" type="datetimeFigureOut">
               <a:rPr lang="it-CH" smtClean="0"/>
-              <a:t>09.04.24</a:t>
+              <a:t>16.04.24</a:t>
             </a:fld>
             <a:endParaRPr lang="it-CH"/>
           </a:p>
@@ -3522,7 +3522,7 @@
           <a:p>
             <a:fld id="{2A147C38-CC24-4E9D-9FE1-BE5105214113}" type="datetimeFigureOut">
               <a:rPr lang="it-CH" smtClean="0"/>
-              <a:t>09.04.24</a:t>
+              <a:t>16.04.24</a:t>
             </a:fld>
             <a:endParaRPr lang="it-CH"/>
           </a:p>
@@ -3635,7 +3635,7 @@
           <a:p>
             <a:fld id="{2A147C38-CC24-4E9D-9FE1-BE5105214113}" type="datetimeFigureOut">
               <a:rPr lang="it-CH" smtClean="0"/>
-              <a:t>09.04.24</a:t>
+              <a:t>16.04.24</a:t>
             </a:fld>
             <a:endParaRPr lang="it-CH"/>
           </a:p>
@@ -3951,7 +3951,7 @@
           <a:p>
             <a:fld id="{2A147C38-CC24-4E9D-9FE1-BE5105214113}" type="datetimeFigureOut">
               <a:rPr lang="it-CH" smtClean="0"/>
-              <a:t>09.04.24</a:t>
+              <a:t>16.04.24</a:t>
             </a:fld>
             <a:endParaRPr lang="it-CH"/>
           </a:p>
@@ -4243,7 +4243,7 @@
           <a:p>
             <a:fld id="{2A147C38-CC24-4E9D-9FE1-BE5105214113}" type="datetimeFigureOut">
               <a:rPr lang="it-CH" smtClean="0"/>
-              <a:t>09.04.24</a:t>
+              <a:t>16.04.24</a:t>
             </a:fld>
             <a:endParaRPr lang="it-CH"/>
           </a:p>
@@ -4486,7 +4486,7 @@
           <a:p>
             <a:fld id="{2A147C38-CC24-4E9D-9FE1-BE5105214113}" type="datetimeFigureOut">
               <a:rPr lang="it-CH" smtClean="0"/>
-              <a:t>09.04.24</a:t>
+              <a:t>16.04.24</a:t>
             </a:fld>
             <a:endParaRPr lang="it-CH"/>
           </a:p>
@@ -4942,7 +4942,7 @@
         <p:spPr>
           <a:xfrm>
             <a:off x="355801" y="3190028"/>
-            <a:ext cx="11712374" cy="3037563"/>
+            <a:ext cx="11712374" cy="2991396"/>
           </a:xfrm>
           <a:prstGeom prst="rect">
             <a:avLst/>
@@ -4968,7 +4968,7 @@
                   </a:schemeClr>
                 </a:solidFill>
               </a:rPr>
-              <a:t>Neural state-space models</a:t>
+              <a:t>Deep learning for state-space identification</a:t>
             </a:r>
           </a:p>
           <a:p>
@@ -4978,15 +4978,22 @@
               </a:lnSpc>
             </a:pPr>
             <a:r>
-              <a:rPr lang="en-US" sz="2400" dirty="0">
+              <a:rPr lang="en-US" sz="2400">
                 <a:solidFill>
                   <a:schemeClr val="accent1">
                     <a:lumMod val="75000"/>
                   </a:schemeClr>
                 </a:solidFill>
               </a:rPr>
-              <a:t>Introduction</a:t>
+              <a:t>Exercises</a:t>
             </a:r>
+            <a:endParaRPr lang="en-US" sz="2400" dirty="0">
+              <a:solidFill>
+                <a:schemeClr val="accent1">
+                  <a:lumMod val="75000"/>
+                </a:schemeClr>
+              </a:solidFill>
+            </a:endParaRPr>
           </a:p>
           <a:p>
             <a:pPr>
@@ -5220,11 +5227,15 @@
           <a:p>
             <a:r>
               <a:rPr lang="en-US" dirty="0"/>
-              <a:t>Lugano, April, 22</a:t>
+              <a:t>Lugano, April</a:t>
             </a:r>
             <a:r>
-              <a:rPr lang="en-US" baseline="30000" dirty="0"/>
-              <a:t>nd</a:t>
+              <a:rPr lang="en-US"/>
+              <a:t>, 23</a:t>
+            </a:r>
+            <a:r>
+              <a:rPr lang="en-US" baseline="30000"/>
+              <a:t>rd</a:t>
             </a:r>
             <a:r>
               <a:rPr lang="en-US" dirty="0"/>
@@ -9015,8 +9026,8 @@
           </a:fontRef>
         </p:style>
       </p:cxnSp>
-      <mc:AlternateContent xmlns:mc="http://schemas.openxmlformats.org/markup-compatibility/2006">
-        <mc:Choice xmlns:a14="http://schemas.microsoft.com/office/drawing/2010/main" Requires="a14">
+      <mc:AlternateContent xmlns:mc="http://schemas.openxmlformats.org/markup-compatibility/2006" xmlns:a14="http://schemas.microsoft.com/office/drawing/2010/main">
+        <mc:Choice Requires="a14">
           <p:sp>
             <p:nvSpPr>
               <p:cNvPr id="2" name="CasellaDiTesto 1">
@@ -9279,7 +9290,7 @@
             </p:txBody>
           </p:sp>
         </mc:Choice>
-        <mc:Fallback>
+        <mc:Fallback xmlns="">
           <p:sp>
             <p:nvSpPr>
               <p:cNvPr id="2" name="CasellaDiTesto 1">

--- a/Exercises/state_space/state_space_exercise.pptx
+++ b/Exercises/state_space/state_space_exercise.pptx
@@ -6010,7 +6010,7 @@
         <p:spPr>
           <a:xfrm>
             <a:off x="47625" y="704850"/>
-            <a:ext cx="12192000" cy="4154984"/>
+            <a:ext cx="12192000" cy="3847207"/>
           </a:xfrm>
           <a:prstGeom prst="rect">
             <a:avLst/>
@@ -6062,7 +6062,15 @@
           <a:p>
             <a:r>
               <a:rPr lang="it-CH" sz="2000" dirty="0"/>
-              <a:t>Implement and train a tailor-made architecture that is consistent with all the physics constraints assumed for model #3:</a:t>
+              <a:t>Implement and train a tailor-made </a:t>
+            </a:r>
+            <a:r>
+              <a:rPr lang="it-CH" sz="2000"/>
+              <a:t>architecture consistent </a:t>
+            </a:r>
+            <a:r>
+              <a:rPr lang="it-CH" sz="2000" dirty="0"/>
+              <a:t>with all the physics constraints assumed for model #3:</a:t>
             </a:r>
           </a:p>
           <a:p>
@@ -8347,8 +8355,8 @@
           </a:fontRef>
         </p:style>
       </p:cxnSp>
-      <mc:AlternateContent xmlns:mc="http://schemas.openxmlformats.org/markup-compatibility/2006" xmlns:a14="http://schemas.microsoft.com/office/drawing/2010/main">
-        <mc:Choice Requires="a14">
+      <mc:AlternateContent xmlns:mc="http://schemas.openxmlformats.org/markup-compatibility/2006">
+        <mc:Choice xmlns:a14="http://schemas.microsoft.com/office/drawing/2010/main" Requires="a14">
           <p:sp>
             <p:nvSpPr>
               <p:cNvPr id="2" name="CasellaDiTesto 1">
@@ -8364,7 +8372,7 @@
             <p:spPr>
               <a:xfrm>
                 <a:off x="246581" y="670737"/>
-                <a:ext cx="5785663" cy="6001643"/>
+                <a:ext cx="5785663" cy="6370975"/>
               </a:xfrm>
               <a:prstGeom prst="rect">
                 <a:avLst/>
@@ -8687,7 +8695,7 @@
                 </a:br>
                 <a:r>
                   <a:rPr lang="it-CH" sz="2400" dirty="0"/>
-                  <a:t>(since water overflows from upper tank, there is actually a direct tern from u to </a:t>
+                  <a:t>(according to the benchmar description,  water overflows from upper tank. There is actually a direct tern from u to </a:t>
                 </a:r>
                 <a14:m>
                   <m:oMath xmlns:m="http://schemas.openxmlformats.org/officeDocument/2006/math">
@@ -8742,7 +8750,7 @@
             </p:txBody>
           </p:sp>
         </mc:Choice>
-        <mc:Fallback xmlns="">
+        <mc:Fallback>
           <p:sp>
             <p:nvSpPr>
               <p:cNvPr id="2" name="CasellaDiTesto 1">
@@ -8760,7 +8768,7 @@
             <p:spPr>
               <a:xfrm>
                 <a:off x="246581" y="670737"/>
-                <a:ext cx="5785663" cy="6001643"/>
+                <a:ext cx="5785663" cy="6370975"/>
               </a:xfrm>
               <a:prstGeom prst="rect">
                 <a:avLst/>
@@ -8768,7 +8776,7 @@
               <a:blipFill>
                 <a:blip r:embed="rId3"/>
                 <a:stretch>
-                  <a:fillRect l="-1532" r="-1969"/>
+                  <a:fillRect l="-1532" r="-1532"/>
                 </a:stretch>
               </a:blipFill>
             </p:spPr>
@@ -9084,9 +9092,6 @@
                 <a:endParaRPr lang="it-CH" sz="2000" dirty="0"/>
               </a:p>
               <a:p>
-                <a:endParaRPr lang="it-CH" sz="2000" dirty="0"/>
-              </a:p>
-              <a:p>
                 <a:r>
                   <a:rPr lang="it-CH" sz="2000" dirty="0"/>
                   <a:t>Where </a:t>
@@ -9119,9 +9124,6 @@
                   <a:rPr lang="it-CH" sz="2000" dirty="0"/>
                   <a:t> are generic feed-forward neural networks with:</a:t>
                 </a:r>
-              </a:p>
-              <a:p>
-                <a:endParaRPr lang="it-CH" sz="2000" dirty="0"/>
               </a:p>
               <a:p>
                 <a:pPr marL="342900" indent="-342900">
@@ -9275,14 +9277,105 @@
                 </a:r>
               </a:p>
               <a:p>
+                <a:endParaRPr lang="it-CH" sz="2000" dirty="0"/>
+              </a:p>
+              <a:p>
+                <a:r>
+                  <a:rPr lang="it-CH" sz="2000" dirty="0"/>
+                  <a:t>NOTE:</a:t>
+                </a:r>
+              </a:p>
+              <a:p>
                 <a:pPr marL="342900" indent="-342900">
                   <a:buFont typeface="Arial" panose="020B0604020202020204" pitchFamily="34" charset="0"/>
                   <a:buChar char="•"/>
                 </a:pPr>
-                <a:endParaRPr lang="it-CH" sz="2000" dirty="0"/>
+                <a:r>
+                  <a:rPr lang="it-CH" sz="2000" dirty="0"/>
+                  <a:t>Train also with respect to </a:t>
+                </a:r>
+                <a14:m>
+                  <m:oMath xmlns:m="http://schemas.openxmlformats.org/officeDocument/2006/math">
+                    <m:sSub>
+                      <m:sSubPr>
+                        <m:ctrlPr>
+                          <a:rPr lang="it-CH" sz="2000" i="1" smtClean="0">
+                            <a:latin typeface="Cambria Math" panose="02040503050406030204" pitchFamily="18" charset="0"/>
+                          </a:rPr>
+                        </m:ctrlPr>
+                      </m:sSubPr>
+                      <m:e>
+                        <m:r>
+                          <a:rPr lang="en-US" sz="2000" b="0" i="1" smtClean="0">
+                            <a:latin typeface="Cambria Math" panose="02040503050406030204" pitchFamily="18" charset="0"/>
+                          </a:rPr>
+                          <m:t>𝑥</m:t>
+                        </m:r>
+                      </m:e>
+                      <m:sub>
+                        <m:r>
+                          <a:rPr lang="en-US" sz="2000" b="0" i="1" smtClean="0">
+                            <a:latin typeface="Cambria Math" panose="02040503050406030204" pitchFamily="18" charset="0"/>
+                          </a:rPr>
+                          <m:t>0</m:t>
+                        </m:r>
+                      </m:sub>
+                    </m:sSub>
+                  </m:oMath>
+                </a14:m>
+                <a:r>
+                  <a:rPr lang="it-CH" sz="2000" dirty="0"/>
+                  <a:t>. </a:t>
+                </a:r>
               </a:p>
               <a:p>
-                <a:endParaRPr lang="it-CH" sz="2000" dirty="0"/>
+                <a:pPr marL="342900" indent="-342900">
+                  <a:buFont typeface="Arial" panose="020B0604020202020204" pitchFamily="34" charset="0"/>
+                  <a:buChar char="•"/>
+                </a:pPr>
+                <a:r>
+                  <a:rPr lang="it-CH" sz="2000" dirty="0"/>
+                  <a:t>In test, exploit the additional knowledge from the benchmark info that </a:t>
+                </a:r>
+                <a14:m>
+                  <m:oMath xmlns:m="http://schemas.openxmlformats.org/officeDocument/2006/math">
+                    <m:sSub>
+                      <m:sSubPr>
+                        <m:ctrlPr>
+                          <a:rPr lang="it-CH" sz="2000" i="1" smtClean="0">
+                            <a:latin typeface="Cambria Math" panose="02040503050406030204" pitchFamily="18" charset="0"/>
+                          </a:rPr>
+                        </m:ctrlPr>
+                      </m:sSubPr>
+                      <m:e>
+                        <m:r>
+                          <a:rPr lang="en-US" sz="2000" b="0" i="1" smtClean="0">
+                            <a:latin typeface="Cambria Math" panose="02040503050406030204" pitchFamily="18" charset="0"/>
+                          </a:rPr>
+                          <m:t>𝑥</m:t>
+                        </m:r>
+                      </m:e>
+                      <m:sub>
+                        <m:r>
+                          <a:rPr lang="en-US" sz="2000" b="0" i="1" smtClean="0">
+                            <a:latin typeface="Cambria Math" panose="02040503050406030204" pitchFamily="18" charset="0"/>
+                          </a:rPr>
+                          <m:t>0</m:t>
+                        </m:r>
+                      </m:sub>
+                    </m:sSub>
+                    <m:r>
+                      <a:rPr lang="en-US" sz="2000" b="0" i="1" smtClean="0">
+                        <a:latin typeface="Cambria Math" panose="02040503050406030204" pitchFamily="18" charset="0"/>
+                      </a:rPr>
+                      <m:t> </m:t>
+                    </m:r>
+                  </m:oMath>
+                </a14:m>
+                <a:r>
+                  <a:rPr lang="it-CH" sz="2000" dirty="0"/>
+                  <a:t>is the same in the two experiments.</a:t>
+                </a:r>
               </a:p>
               <a:p>
                 <a:endParaRPr lang="it-CH" sz="2000" dirty="0"/>
@@ -9337,10 +9430,10 @@
       </mc:AlternateContent>
       <p:pic>
         <p:nvPicPr>
-          <p:cNvPr id="9" name="Picture 8" descr="\documentclass{article}&#10;\usepackage{amsmath}&#10;\newcommand{\sys}{S}&#10;\newcommand{\diss}{d}&#10;\newcommand{\learn}{\mathcal{L}} &#10;\newcommand{\free}{\mathcal{M}}  &#10;\newcommand{\D}{\mathcal{D}}&#10;\newcommand{\R}{\mathbb{R}}&#10;\newcommand{\nsamp}{N}&#10;\newcommand{\norm}[1]{\left\lVert#1\right\rVert}&#10;\newcommand{\E}{\mathbb{E}}&#10;\newcommand{\mdl}{M}&#10;\newcommand{\mdlstruc}{\mathcal{M}}&#10;\pagestyle{empty}&#10;&#10;\begin{document}&#10;&#10; \begin{equation*}&#10;  \hat \theta, \hat {x}_0 = \arg \min_{\theta, x_0} \sum_{k=0}^{\nsamp-1} \norm{\hat y_k^\mathrm{sim}(\theta, x_0) - y_k}^2&#10; \end{equation*}&#10;&#10;\end{document}" title="IguanaTex Bitmap Display">
-            <a:extLst>
-              <a:ext uri="{FF2B5EF4-FFF2-40B4-BE49-F238E27FC236}">
-                <a16:creationId xmlns:a16="http://schemas.microsoft.com/office/drawing/2014/main" id="{9EB5E1F4-EBEF-4DEE-A61A-B4D3AFC8F32D}"/>
+          <p:cNvPr id="8" name="Picture 7" descr="\documentclass{article}&#10;\usepackage{amsmath}&#10;\newcommand{\sys}{S}&#10;\newcommand{\diss}{d}&#10;\newcommand{\learn}{\mathcal{L}} &#10;\newcommand{\free}{\mathcal{M}}  &#10;\newcommand{\D}{\mathcal{D}}&#10;\newcommand{\R}{\mathbb{R}}&#10;\newcommand{\nsamp}{N}&#10;\newcommand{\norm}[1]{\left\lVert#1\right\rVert}&#10;\newcommand{\E}{\mathbb{E}}&#10;\newcommand{\mdl}{M}&#10;\newcommand{\mdlstruc}{\mathcal{M}}&#10;\pagestyle{empty}&#10;&#10;\begin{document}&#10;&#10; \begin{equation*}&#10;  \hat \theta, \hat {x}_0 = \arg \min_{\theta, x_0} &#10;\frac{1}{N}&#10;\sum_{k=0}^{\nsamp-1} \norm{\hat y_k^\mathrm{sim}(\theta, x_0) - y_k}^2&#10; \end{equation*}&#10;&#10;\end{document}" title="IguanaTex Bitmap Display">
+            <a:extLst>
+              <a:ext uri="{FF2B5EF4-FFF2-40B4-BE49-F238E27FC236}">
+                <a16:creationId xmlns:a16="http://schemas.microsoft.com/office/drawing/2014/main" id="{0E8E94C7-1FE0-6DBF-AE3A-545D59C94805}"/>
               </a:ext>
             </a:extLst>
           </p:cNvPr>
@@ -9367,8 +9460,8 @@
         </p:blipFill>
         <p:spPr>
           <a:xfrm>
-            <a:off x="1090836" y="1757427"/>
-            <a:ext cx="4606561" cy="827526"/>
+            <a:off x="682418" y="1757427"/>
+            <a:ext cx="4965156" cy="827526"/>
           </a:xfrm>
           <a:prstGeom prst="rect">
             <a:avLst/>
@@ -9732,38 +9825,8 @@
         </p:blipFill>
         <p:spPr>
           <a:xfrm>
-            <a:off x="533400" y="1753897"/>
+            <a:off x="577850" y="1752998"/>
             <a:ext cx="4974182" cy="4069018"/>
-          </a:xfrm>
-          <a:prstGeom prst="rect">
-            <a:avLst/>
-          </a:prstGeom>
-        </p:spPr>
-      </p:pic>
-      <p:pic>
-        <p:nvPicPr>
-          <p:cNvPr id="4" name="Picture 3">
-            <a:extLst>
-              <a:ext uri="{FF2B5EF4-FFF2-40B4-BE49-F238E27FC236}">
-                <a16:creationId xmlns:a16="http://schemas.microsoft.com/office/drawing/2014/main" id="{B0B903FD-1140-9663-CC76-510DD33F458D}"/>
-              </a:ext>
-            </a:extLst>
-          </p:cNvPr>
-          <p:cNvPicPr>
-            <a:picLocks noChangeAspect="1"/>
-          </p:cNvPicPr>
-          <p:nvPr/>
-        </p:nvPicPr>
-        <p:blipFill>
-          <a:blip r:embed="rId5"/>
-          <a:stretch>
-            <a:fillRect/>
-          </a:stretch>
-        </p:blipFill>
-        <p:spPr>
-          <a:xfrm>
-            <a:off x="6118262" y="1705121"/>
-            <a:ext cx="5386054" cy="4166570"/>
           </a:xfrm>
           <a:prstGeom prst="rect">
             <a:avLst/>
@@ -10029,6 +10092,36 @@
           </p:sp>
         </mc:Fallback>
       </mc:AlternateContent>
+      <p:pic>
+        <p:nvPicPr>
+          <p:cNvPr id="5" name="Picture 4">
+            <a:extLst>
+              <a:ext uri="{FF2B5EF4-FFF2-40B4-BE49-F238E27FC236}">
+                <a16:creationId xmlns:a16="http://schemas.microsoft.com/office/drawing/2014/main" id="{75E987CE-1081-4F9D-EE1D-210AF01FC566}"/>
+              </a:ext>
+            </a:extLst>
+          </p:cNvPr>
+          <p:cNvPicPr>
+            <a:picLocks noChangeAspect="1"/>
+          </p:cNvPicPr>
+          <p:nvPr/>
+        </p:nvPicPr>
+        <p:blipFill>
+          <a:blip r:embed="rId8"/>
+          <a:stretch>
+            <a:fillRect/>
+          </a:stretch>
+        </p:blipFill>
+        <p:spPr>
+          <a:xfrm>
+            <a:off x="6342581" y="1724941"/>
+            <a:ext cx="3678923" cy="3173825"/>
+          </a:xfrm>
+          <a:prstGeom prst="rect">
+            <a:avLst/>
+          </a:prstGeom>
+        </p:spPr>
+      </p:pic>
     </p:spTree>
     <p:extLst>
       <p:ext uri="{BB962C8B-B14F-4D97-AF65-F5344CB8AC3E}">
@@ -10262,7 +10355,7 @@
                 <a:endParaRPr lang="it-CH" sz="2000" dirty="0"/>
               </a:p>
               <a:p>
-                <a:endParaRPr lang="it-CH" sz="2000" dirty="0"/>
+                <a:endParaRPr lang="en-US" sz="2000" dirty="0"/>
               </a:p>
               <a:p>
                 <a:r>
@@ -10403,10 +10496,10 @@
       </mc:AlternateContent>
       <p:pic>
         <p:nvPicPr>
-          <p:cNvPr id="5" name="Picture 4">
-            <a:extLst>
-              <a:ext uri="{FF2B5EF4-FFF2-40B4-BE49-F238E27FC236}">
-                <a16:creationId xmlns:a16="http://schemas.microsoft.com/office/drawing/2014/main" id="{D0DCA627-BFBE-E4B3-3B8D-F72D2C3960CB}"/>
+          <p:cNvPr id="4" name="Picture 3">
+            <a:extLst>
+              <a:ext uri="{FF2B5EF4-FFF2-40B4-BE49-F238E27FC236}">
+                <a16:creationId xmlns:a16="http://schemas.microsoft.com/office/drawing/2014/main" id="{E91CB975-8C74-F331-9C2A-656D2B37E783}"/>
               </a:ext>
             </a:extLst>
           </p:cNvPr>
@@ -10422,7 +10515,7 @@
         </p:blipFill>
         <p:spPr>
           <a:xfrm>
-            <a:off x="1887105" y="871377"/>
+            <a:off x="1748559" y="899663"/>
             <a:ext cx="6591877" cy="1317642"/>
           </a:xfrm>
           <a:prstGeom prst="rect">
@@ -10432,10 +10525,10 @@
       </p:pic>
       <p:pic>
         <p:nvPicPr>
-          <p:cNvPr id="3" name="Picture 2">
-            <a:extLst>
-              <a:ext uri="{FF2B5EF4-FFF2-40B4-BE49-F238E27FC236}">
-                <a16:creationId xmlns:a16="http://schemas.microsoft.com/office/drawing/2014/main" id="{7BDA420A-7877-B4C5-4C0A-C4F91D8EB679}"/>
+          <p:cNvPr id="7" name="Picture 6">
+            <a:extLst>
+              <a:ext uri="{FF2B5EF4-FFF2-40B4-BE49-F238E27FC236}">
+                <a16:creationId xmlns:a16="http://schemas.microsoft.com/office/drawing/2014/main" id="{A387164F-8194-9BA7-20E5-24321F537586}"/>
               </a:ext>
             </a:extLst>
           </p:cNvPr>
@@ -10445,14 +10538,14 @@
           <p:nvPr/>
         </p:nvPicPr>
         <p:blipFill rotWithShape="1">
-          <a:blip r:embed="rId4"/>
-          <a:srcRect t="33946" r="114" b="28856"/>
+          <a:blip r:embed="rId5"/>
+          <a:srcRect b="21587"/>
           <a:stretch/>
         </p:blipFill>
         <p:spPr>
           <a:xfrm>
-            <a:off x="1748559" y="2873005"/>
-            <a:ext cx="6584373" cy="1384958"/>
+            <a:off x="1748559" y="2871287"/>
+            <a:ext cx="7772400" cy="1033964"/>
           </a:xfrm>
           <a:prstGeom prst="rect">
             <a:avLst/>
@@ -10735,16 +10828,15 @@
           </p:cNvPicPr>
           <p:nvPr/>
         </p:nvPicPr>
-        <p:blipFill>
+        <p:blipFill rotWithShape="1">
           <a:blip r:embed="rId3"/>
-          <a:stretch>
-            <a:fillRect/>
-          </a:stretch>
+          <a:srcRect l="5411"/>
+          <a:stretch/>
         </p:blipFill>
         <p:spPr>
           <a:xfrm>
-            <a:off x="3835401" y="2110941"/>
-            <a:ext cx="7772400" cy="875763"/>
+            <a:off x="4255963" y="2110941"/>
+            <a:ext cx="7351838" cy="875763"/>
           </a:xfrm>
           <a:prstGeom prst="rect">
             <a:avLst/>
@@ -10753,10 +10845,10 @@
       </p:pic>
       <p:pic>
         <p:nvPicPr>
-          <p:cNvPr id="14" name="Picture 13">
-            <a:extLst>
-              <a:ext uri="{FF2B5EF4-FFF2-40B4-BE49-F238E27FC236}">
-                <a16:creationId xmlns:a16="http://schemas.microsoft.com/office/drawing/2014/main" id="{9D5C9209-E253-0C09-6D44-80C500F16F6D}"/>
+          <p:cNvPr id="21" name="Picture 20">
+            <a:extLst>
+              <a:ext uri="{FF2B5EF4-FFF2-40B4-BE49-F238E27FC236}">
+                <a16:creationId xmlns:a16="http://schemas.microsoft.com/office/drawing/2014/main" id="{BCD255B4-2AF3-A738-A387-D214B387B659}"/>
               </a:ext>
             </a:extLst>
           </p:cNvPr>
@@ -10765,16 +10857,15 @@
           </p:cNvPicPr>
           <p:nvPr/>
         </p:nvPicPr>
-        <p:blipFill>
+        <p:blipFill rotWithShape="1">
           <a:blip r:embed="rId4"/>
-          <a:stretch>
-            <a:fillRect/>
-          </a:stretch>
+          <a:srcRect l="6128"/>
+          <a:stretch/>
         </p:blipFill>
         <p:spPr>
           <a:xfrm>
-            <a:off x="3835401" y="3548166"/>
-            <a:ext cx="7772400" cy="1426010"/>
+            <a:off x="4311649" y="5371821"/>
+            <a:ext cx="7296151" cy="733488"/>
           </a:xfrm>
           <a:prstGeom prst="rect">
             <a:avLst/>
@@ -10783,10 +10874,10 @@
       </p:pic>
       <p:pic>
         <p:nvPicPr>
-          <p:cNvPr id="20" name="Picture 19">
-            <a:extLst>
-              <a:ext uri="{FF2B5EF4-FFF2-40B4-BE49-F238E27FC236}">
-                <a16:creationId xmlns:a16="http://schemas.microsoft.com/office/drawing/2014/main" id="{BFD50FEF-0A39-ECB5-72EC-E875F8F241D1}"/>
+          <p:cNvPr id="3" name="Picture 2">
+            <a:extLst>
+              <a:ext uri="{FF2B5EF4-FFF2-40B4-BE49-F238E27FC236}">
+                <a16:creationId xmlns:a16="http://schemas.microsoft.com/office/drawing/2014/main" id="{B96EF0B0-B783-4D21-A69A-ADB47BE2675A}"/>
               </a:ext>
             </a:extLst>
           </p:cNvPr>
@@ -10803,8 +10894,8 @@
         </p:blipFill>
         <p:spPr>
           <a:xfrm>
-            <a:off x="3835401" y="952997"/>
-            <a:ext cx="7772400" cy="898543"/>
+            <a:off x="4255963" y="825314"/>
+            <a:ext cx="6045921" cy="1158253"/>
           </a:xfrm>
           <a:prstGeom prst="rect">
             <a:avLst/>
@@ -10813,10 +10904,10 @@
       </p:pic>
       <p:pic>
         <p:nvPicPr>
-          <p:cNvPr id="21" name="Picture 20">
-            <a:extLst>
-              <a:ext uri="{FF2B5EF4-FFF2-40B4-BE49-F238E27FC236}">
-                <a16:creationId xmlns:a16="http://schemas.microsoft.com/office/drawing/2014/main" id="{BCD255B4-2AF3-A738-A387-D214B387B659}"/>
+          <p:cNvPr id="4" name="Picture 3">
+            <a:extLst>
+              <a:ext uri="{FF2B5EF4-FFF2-40B4-BE49-F238E27FC236}">
+                <a16:creationId xmlns:a16="http://schemas.microsoft.com/office/drawing/2014/main" id="{D1141180-026D-77ED-5F33-83C25DF914C7}"/>
               </a:ext>
             </a:extLst>
           </p:cNvPr>
@@ -10833,8 +10924,8 @@
         </p:blipFill>
         <p:spPr>
           <a:xfrm>
-            <a:off x="3835401" y="5371821"/>
-            <a:ext cx="7772400" cy="733488"/>
+            <a:off x="4255963" y="3321161"/>
+            <a:ext cx="6901381" cy="1454163"/>
           </a:xfrm>
           <a:prstGeom prst="rect">
             <a:avLst/>
@@ -10858,12 +10949,12 @@
 <p:tagLst xmlns:a="http://schemas.openxmlformats.org/drawingml/2006/main" xmlns:r="http://schemas.openxmlformats.org/officeDocument/2006/relationships" xmlns:p="http://schemas.openxmlformats.org/presentationml/2006/main">
   <p:tag name="OUTPUTDPI" val="1200"/>
   <p:tag name="ORIGINALHEIGHT" val="30"/>
-  <p:tag name="ORIGINALWIDTH" val="167"/>
+  <p:tag name="ORIGINALWIDTH" val="180"/>
   <p:tag name="OUTPUTTYPE" val="PDF"/>
   <p:tag name="IGUANATEXVERSION" val="160"/>
-  <p:tag name="LATEXADDIN" val="\documentclass{article}&#10;\usepackage{amsmath}&#10;\newcommand{\sys}{S}&#10;\newcommand{\diss}{d}&#10;\newcommand{\learn}{\mathcal{L}} &#10;\newcommand{\free}{\mathcal{M}}  &#10;\newcommand{\D}{\mathcal{D}}&#10;\newcommand{\R}{\mathbb{R}}&#10;\newcommand{\nsamp}{N}&#10;\newcommand{\norm}[1]{\left\lVert#1\right\rVert}&#10;\newcommand{\E}{\mathbb{E}}&#10;\newcommand{\mdl}{M}&#10;\newcommand{\mdlstruc}{\mathcal{M}}&#10;\pagestyle{empty}&#10;&#10;\begin{document}&#10;&#10; \begin{equation*}&#10;  \hat \theta, \hat {x}_0 = \arg \min_{\theta, x_0} \sum_{k=0}^{\nsamp-1} \norm{\hat y_k^\mathrm{sim}(\theta, x_0) - y_k}^2&#10; \end{equation*}&#10;&#10;\end{document}"/>
+  <p:tag name="LATEXADDIN" val="\documentclass{article}&#10;\usepackage{amsmath}&#10;\newcommand{\sys}{S}&#10;\newcommand{\diss}{d}&#10;\newcommand{\learn}{\mathcal{L}} &#10;\newcommand{\free}{\mathcal{M}}  &#10;\newcommand{\D}{\mathcal{D}}&#10;\newcommand{\R}{\mathbb{R}}&#10;\newcommand{\nsamp}{N}&#10;\newcommand{\norm}[1]{\left\lVert#1\right\rVert}&#10;\newcommand{\E}{\mathbb{E}}&#10;\newcommand{\mdl}{M}&#10;\newcommand{\mdlstruc}{\mathcal{M}}&#10;\pagestyle{empty}&#10;&#10;\begin{document}&#10;&#10; \begin{equation*}&#10;  \hat \theta, \hat {x}_0 = \arg \min_{\theta, x_0} &#10;\frac{1}{N}&#10;\sum_{k=0}^{\nsamp-1} \norm{\hat y_k^\mathrm{sim}(\theta, x_0) - y_k}^2&#10; \end{equation*}&#10;&#10;\end{document}"/>
   <p:tag name="IGUANATEXSIZE" val="24"/>
-  <p:tag name="IGUANATEXCURSOR" val="451"/>
+  <p:tag name="IGUANATEXCURSOR" val="489"/>
   <p:tag name="TRANSPARENCY" val="True"/>
   <p:tag name="LATEXENGINEID" val="0"/>
   <p:tag name="TEMPFOLDER" val="/Users/marco.forgione/Library/Containers/com.microsoft.Powerpoint/Data/tmp/TemporaryItems/"/>

--- a/Exercises/state_space/state_space_exercise.pptx
+++ b/Exercises/state_space/state_space_exercise.pptx
@@ -208,7 +208,7 @@
           <a:p>
             <a:fld id="{99D4630A-6D3B-4C97-A7DC-509EB0048625}" type="datetimeFigureOut">
               <a:rPr lang="it-CH" smtClean="0"/>
-              <a:t>16.04.24</a:t>
+              <a:t>19.04.24</a:t>
             </a:fld>
             <a:endParaRPr lang="it-CH"/>
           </a:p>
@@ -1647,7 +1647,7 @@
           <a:p>
             <a:fld id="{2A147C38-CC24-4E9D-9FE1-BE5105214113}" type="datetimeFigureOut">
               <a:rPr lang="it-CH" smtClean="0"/>
-              <a:t>16.04.24</a:t>
+              <a:t>19.04.24</a:t>
             </a:fld>
             <a:endParaRPr lang="it-CH"/>
           </a:p>
@@ -1855,7 +1855,7 @@
           <a:p>
             <a:fld id="{2A147C38-CC24-4E9D-9FE1-BE5105214113}" type="datetimeFigureOut">
               <a:rPr lang="it-CH" smtClean="0"/>
-              <a:t>16.04.24</a:t>
+              <a:t>19.04.24</a:t>
             </a:fld>
             <a:endParaRPr lang="it-CH"/>
           </a:p>
@@ -2068,7 +2068,7 @@
           <a:p>
             <a:fld id="{2A147C38-CC24-4E9D-9FE1-BE5105214113}" type="datetimeFigureOut">
               <a:rPr lang="it-CH" smtClean="0"/>
-              <a:t>16.04.24</a:t>
+              <a:t>19.04.24</a:t>
             </a:fld>
             <a:endParaRPr lang="it-CH"/>
           </a:p>
@@ -2399,7 +2399,7 @@
           <a:p>
             <a:fld id="{2A147C38-CC24-4E9D-9FE1-BE5105214113}" type="datetimeFigureOut">
               <a:rPr lang="it-CH" smtClean="0"/>
-              <a:t>16.04.24</a:t>
+              <a:t>19.04.24</a:t>
             </a:fld>
             <a:endParaRPr lang="it-CH"/>
           </a:p>
@@ -2678,7 +2678,7 @@
           <a:p>
             <a:fld id="{2A147C38-CC24-4E9D-9FE1-BE5105214113}" type="datetimeFigureOut">
               <a:rPr lang="it-CH" smtClean="0"/>
-              <a:t>16.04.24</a:t>
+              <a:t>19.04.24</a:t>
             </a:fld>
             <a:endParaRPr lang="it-CH"/>
           </a:p>
@@ -2954,7 +2954,7 @@
           <a:p>
             <a:fld id="{2A147C38-CC24-4E9D-9FE1-BE5105214113}" type="datetimeFigureOut">
               <a:rPr lang="it-CH" smtClean="0"/>
-              <a:t>16.04.24</a:t>
+              <a:t>19.04.24</a:t>
             </a:fld>
             <a:endParaRPr lang="it-CH"/>
           </a:p>
@@ -3372,7 +3372,7 @@
           <a:p>
             <a:fld id="{2A147C38-CC24-4E9D-9FE1-BE5105214113}" type="datetimeFigureOut">
               <a:rPr lang="it-CH" smtClean="0"/>
-              <a:t>16.04.24</a:t>
+              <a:t>19.04.24</a:t>
             </a:fld>
             <a:endParaRPr lang="it-CH"/>
           </a:p>
@@ -3522,7 +3522,7 @@
           <a:p>
             <a:fld id="{2A147C38-CC24-4E9D-9FE1-BE5105214113}" type="datetimeFigureOut">
               <a:rPr lang="it-CH" smtClean="0"/>
-              <a:t>16.04.24</a:t>
+              <a:t>19.04.24</a:t>
             </a:fld>
             <a:endParaRPr lang="it-CH"/>
           </a:p>
@@ -3635,7 +3635,7 @@
           <a:p>
             <a:fld id="{2A147C38-CC24-4E9D-9FE1-BE5105214113}" type="datetimeFigureOut">
               <a:rPr lang="it-CH" smtClean="0"/>
-              <a:t>16.04.24</a:t>
+              <a:t>19.04.24</a:t>
             </a:fld>
             <a:endParaRPr lang="it-CH"/>
           </a:p>
@@ -3951,7 +3951,7 @@
           <a:p>
             <a:fld id="{2A147C38-CC24-4E9D-9FE1-BE5105214113}" type="datetimeFigureOut">
               <a:rPr lang="it-CH" smtClean="0"/>
-              <a:t>16.04.24</a:t>
+              <a:t>19.04.24</a:t>
             </a:fld>
             <a:endParaRPr lang="it-CH"/>
           </a:p>
@@ -4243,7 +4243,7 @@
           <a:p>
             <a:fld id="{2A147C38-CC24-4E9D-9FE1-BE5105214113}" type="datetimeFigureOut">
               <a:rPr lang="it-CH" smtClean="0"/>
-              <a:t>16.04.24</a:t>
+              <a:t>19.04.24</a:t>
             </a:fld>
             <a:endParaRPr lang="it-CH"/>
           </a:p>
@@ -4486,7 +4486,7 @@
           <a:p>
             <a:fld id="{2A147C38-CC24-4E9D-9FE1-BE5105214113}" type="datetimeFigureOut">
               <a:rPr lang="it-CH" smtClean="0"/>
-              <a:t>16.04.24</a:t>
+              <a:t>19.04.24</a:t>
             </a:fld>
             <a:endParaRPr lang="it-CH"/>
           </a:p>
@@ -7675,7 +7675,7 @@
                   <a:schemeClr val="accent1"/>
                 </a:solidFill>
               </a:rPr>
-              <a:t>Physics-inspired neural state-space models – model # 2</a:t>
+              <a:t>Physics-inspired neural state-space models – model #2</a:t>
             </a:r>
           </a:p>
         </p:txBody>
@@ -8355,8 +8355,8 @@
           </a:fontRef>
         </p:style>
       </p:cxnSp>
-      <mc:AlternateContent xmlns:mc="http://schemas.openxmlformats.org/markup-compatibility/2006">
-        <mc:Choice xmlns:a14="http://schemas.microsoft.com/office/drawing/2010/main" Requires="a14">
+      <mc:AlternateContent xmlns:mc="http://schemas.openxmlformats.org/markup-compatibility/2006" xmlns:a14="http://schemas.microsoft.com/office/drawing/2010/main">
+        <mc:Choice Requires="a14">
           <p:sp>
             <p:nvSpPr>
               <p:cNvPr id="2" name="CasellaDiTesto 1">
@@ -8750,7 +8750,7 @@
             </p:txBody>
           </p:sp>
         </mc:Choice>
-        <mc:Fallback>
+        <mc:Fallback xmlns="">
           <p:sp>
             <p:nvSpPr>
               <p:cNvPr id="2" name="CasellaDiTesto 1">
@@ -10510,13 +10510,13 @@
         </p:nvPicPr>
         <p:blipFill rotWithShape="1">
           <a:blip r:embed="rId4"/>
-          <a:srcRect b="64610"/>
+          <a:srcRect t="7620" b="64610"/>
           <a:stretch/>
         </p:blipFill>
         <p:spPr>
           <a:xfrm>
-            <a:off x="1748559" y="899663"/>
-            <a:ext cx="6591877" cy="1317642"/>
+            <a:off x="1748559" y="1183341"/>
+            <a:ext cx="6591877" cy="1033964"/>
           </a:xfrm>
           <a:prstGeom prst="rect">
             <a:avLst/>
@@ -10830,13 +10830,13 @@
         </p:nvPicPr>
         <p:blipFill rotWithShape="1">
           <a:blip r:embed="rId3"/>
-          <a:srcRect l="5411"/>
+          <a:srcRect l="5411" r="10728"/>
           <a:stretch/>
         </p:blipFill>
         <p:spPr>
           <a:xfrm>
             <a:off x="4255963" y="2110941"/>
-            <a:ext cx="7351838" cy="875763"/>
+            <a:ext cx="6518054" cy="875763"/>
           </a:xfrm>
           <a:prstGeom prst="rect">
             <a:avLst/>
@@ -10859,13 +10859,13 @@
         </p:nvPicPr>
         <p:blipFill rotWithShape="1">
           <a:blip r:embed="rId4"/>
-          <a:srcRect l="6128"/>
+          <a:srcRect l="6128" r="46021"/>
           <a:stretch/>
         </p:blipFill>
         <p:spPr>
           <a:xfrm>
-            <a:off x="4311649" y="5371821"/>
-            <a:ext cx="7296151" cy="733488"/>
+            <a:off x="4311650" y="5371821"/>
+            <a:ext cx="3719168" cy="733488"/>
           </a:xfrm>
           <a:prstGeom prst="rect">
             <a:avLst/>

--- a/Exercises/state_space/state_space_exercise.pptx
+++ b/Exercises/state_space/state_space_exercise.pptx
@@ -208,7 +208,7 @@
           <a:p>
             <a:fld id="{99D4630A-6D3B-4C97-A7DC-509EB0048625}" type="datetimeFigureOut">
               <a:rPr lang="it-CH" smtClean="0"/>
-              <a:t>19.04.24</a:t>
+              <a:t>20.04.24</a:t>
             </a:fld>
             <a:endParaRPr lang="it-CH"/>
           </a:p>
@@ -1647,7 +1647,7 @@
           <a:p>
             <a:fld id="{2A147C38-CC24-4E9D-9FE1-BE5105214113}" type="datetimeFigureOut">
               <a:rPr lang="it-CH" smtClean="0"/>
-              <a:t>19.04.24</a:t>
+              <a:t>20.04.24</a:t>
             </a:fld>
             <a:endParaRPr lang="it-CH"/>
           </a:p>
@@ -1855,7 +1855,7 @@
           <a:p>
             <a:fld id="{2A147C38-CC24-4E9D-9FE1-BE5105214113}" type="datetimeFigureOut">
               <a:rPr lang="it-CH" smtClean="0"/>
-              <a:t>19.04.24</a:t>
+              <a:t>20.04.24</a:t>
             </a:fld>
             <a:endParaRPr lang="it-CH"/>
           </a:p>
@@ -2068,7 +2068,7 @@
           <a:p>
             <a:fld id="{2A147C38-CC24-4E9D-9FE1-BE5105214113}" type="datetimeFigureOut">
               <a:rPr lang="it-CH" smtClean="0"/>
-              <a:t>19.04.24</a:t>
+              <a:t>20.04.24</a:t>
             </a:fld>
             <a:endParaRPr lang="it-CH"/>
           </a:p>
@@ -2399,7 +2399,7 @@
           <a:p>
             <a:fld id="{2A147C38-CC24-4E9D-9FE1-BE5105214113}" type="datetimeFigureOut">
               <a:rPr lang="it-CH" smtClean="0"/>
-              <a:t>19.04.24</a:t>
+              <a:t>20.04.24</a:t>
             </a:fld>
             <a:endParaRPr lang="it-CH"/>
           </a:p>
@@ -2678,7 +2678,7 @@
           <a:p>
             <a:fld id="{2A147C38-CC24-4E9D-9FE1-BE5105214113}" type="datetimeFigureOut">
               <a:rPr lang="it-CH" smtClean="0"/>
-              <a:t>19.04.24</a:t>
+              <a:t>20.04.24</a:t>
             </a:fld>
             <a:endParaRPr lang="it-CH"/>
           </a:p>
@@ -2954,7 +2954,7 @@
           <a:p>
             <a:fld id="{2A147C38-CC24-4E9D-9FE1-BE5105214113}" type="datetimeFigureOut">
               <a:rPr lang="it-CH" smtClean="0"/>
-              <a:t>19.04.24</a:t>
+              <a:t>20.04.24</a:t>
             </a:fld>
             <a:endParaRPr lang="it-CH"/>
           </a:p>
@@ -3372,7 +3372,7 @@
           <a:p>
             <a:fld id="{2A147C38-CC24-4E9D-9FE1-BE5105214113}" type="datetimeFigureOut">
               <a:rPr lang="it-CH" smtClean="0"/>
-              <a:t>19.04.24</a:t>
+              <a:t>20.04.24</a:t>
             </a:fld>
             <a:endParaRPr lang="it-CH"/>
           </a:p>
@@ -3522,7 +3522,7 @@
           <a:p>
             <a:fld id="{2A147C38-CC24-4E9D-9FE1-BE5105214113}" type="datetimeFigureOut">
               <a:rPr lang="it-CH" smtClean="0"/>
-              <a:t>19.04.24</a:t>
+              <a:t>20.04.24</a:t>
             </a:fld>
             <a:endParaRPr lang="it-CH"/>
           </a:p>
@@ -3635,7 +3635,7 @@
           <a:p>
             <a:fld id="{2A147C38-CC24-4E9D-9FE1-BE5105214113}" type="datetimeFigureOut">
               <a:rPr lang="it-CH" smtClean="0"/>
-              <a:t>19.04.24</a:t>
+              <a:t>20.04.24</a:t>
             </a:fld>
             <a:endParaRPr lang="it-CH"/>
           </a:p>
@@ -3951,7 +3951,7 @@
           <a:p>
             <a:fld id="{2A147C38-CC24-4E9D-9FE1-BE5105214113}" type="datetimeFigureOut">
               <a:rPr lang="it-CH" smtClean="0"/>
-              <a:t>19.04.24</a:t>
+              <a:t>20.04.24</a:t>
             </a:fld>
             <a:endParaRPr lang="it-CH"/>
           </a:p>
@@ -4243,7 +4243,7 @@
           <a:p>
             <a:fld id="{2A147C38-CC24-4E9D-9FE1-BE5105214113}" type="datetimeFigureOut">
               <a:rPr lang="it-CH" smtClean="0"/>
-              <a:t>19.04.24</a:t>
+              <a:t>20.04.24</a:t>
             </a:fld>
             <a:endParaRPr lang="it-CH"/>
           </a:p>
@@ -4486,7 +4486,7 @@
           <a:p>
             <a:fld id="{2A147C38-CC24-4E9D-9FE1-BE5105214113}" type="datetimeFigureOut">
               <a:rPr lang="it-CH" smtClean="0"/>
-              <a:t>19.04.24</a:t>
+              <a:t>20.04.24</a:t>
             </a:fld>
             <a:endParaRPr lang="it-CH"/>
           </a:p>
@@ -5744,7 +5744,7 @@
         </p:blipFill>
         <p:spPr>
           <a:xfrm>
-            <a:off x="1090836" y="1757427"/>
+            <a:off x="3311522" y="1866284"/>
             <a:ext cx="4606561" cy="827526"/>
           </a:xfrm>
           <a:prstGeom prst="rect">
@@ -5752,82 +5752,6 @@
           </a:prstGeom>
         </p:spPr>
       </p:pic>
-      <p:pic>
-        <p:nvPicPr>
-          <p:cNvPr id="7" name="Picture 6" descr="\documentclass{article}&#10;\usepackage{amsmath}&#10;\newcommand{\sys}{S}&#10;\newcommand{\diss}{d}&#10;\newcommand{\learn}{\mathcal{L}} &#10;\newcommand{\free}{\mathcal{M}}  &#10;\newcommand{\D}{\mathcal{D}}&#10;\newcommand{\R}{\mathbb{R}}&#10;\newcommand{\nsamp}{N}&#10;\newcommand{\norm}[1]{\left\lVert#1\right\rVert}&#10;\newcommand{\E}{\mathbb{E}}&#10;\newcommand{\mdl}{M}&#10;\newcommand{\mdlstruc}{\mathcal{M}}&#10;\pagestyle{empty}&#10;&#10;\begin{document}&#10;&#10; \begin{equation*}&#10; \begin{split}&#10;  x_{k+1}^{\rm sim} &amp;= f(x_k^{\rm sim}, u_k;\;\theta)\\&#10;  \hat{y}_k^{\rm sim} &amp;= g(x_k;\;\theta)&#10;  \end{split}&#10; \end{equation*}&#10;&#10;\end{document}" title="IguanaTex Bitmap Display">
-            <a:extLst>
-              <a:ext uri="{FF2B5EF4-FFF2-40B4-BE49-F238E27FC236}">
-                <a16:creationId xmlns:a16="http://schemas.microsoft.com/office/drawing/2014/main" id="{72134C9B-7B82-803B-E469-9D4FAFFBC72E}"/>
-              </a:ext>
-            </a:extLst>
-          </p:cNvPr>
-          <p:cNvPicPr>
-            <a:picLocks noChangeAspect="1"/>
-          </p:cNvPicPr>
-          <p:nvPr>
-            <p:custDataLst>
-              <p:tags r:id="rId2"/>
-            </p:custDataLst>
-          </p:nvPr>
-        </p:nvPicPr>
-        <p:blipFill>
-          <a:blip r:embed="rId7">
-            <a:extLst>
-              <a:ext uri="{28A0092B-C50C-407E-A947-70E740481C1C}">
-                <a14:useLocalDpi xmlns:a14="http://schemas.microsoft.com/office/drawing/2010/main" val="0"/>
-              </a:ext>
-            </a:extLst>
-          </a:blip>
-          <a:stretch>
-            <a:fillRect/>
-          </a:stretch>
-        </p:blipFill>
-        <p:spPr>
-          <a:xfrm>
-            <a:off x="6981238" y="1757427"/>
-            <a:ext cx="2574282" cy="783477"/>
-          </a:xfrm>
-          <a:prstGeom prst="rect">
-            <a:avLst/>
-          </a:prstGeom>
-        </p:spPr>
-      </p:pic>
-      <p:cxnSp>
-        <p:nvCxnSpPr>
-          <p:cNvPr id="11" name="Straight Connector 10">
-            <a:extLst>
-              <a:ext uri="{FF2B5EF4-FFF2-40B4-BE49-F238E27FC236}">
-                <a16:creationId xmlns:a16="http://schemas.microsoft.com/office/drawing/2014/main" id="{397B81AC-8C95-C867-AF01-2C5F8A1E0849}"/>
-              </a:ext>
-            </a:extLst>
-          </p:cNvPr>
-          <p:cNvCxnSpPr/>
-          <p:nvPr/>
-        </p:nvCxnSpPr>
-        <p:spPr>
-          <a:xfrm>
-            <a:off x="6282366" y="1713378"/>
-            <a:ext cx="0" cy="1020147"/>
-          </a:xfrm>
-          <a:prstGeom prst="line">
-            <a:avLst/>
-          </a:prstGeom>
-        </p:spPr>
-        <p:style>
-          <a:lnRef idx="1">
-            <a:schemeClr val="accent1"/>
-          </a:lnRef>
-          <a:fillRef idx="0">
-            <a:schemeClr val="accent1"/>
-          </a:fillRef>
-          <a:effectRef idx="0">
-            <a:schemeClr val="accent1"/>
-          </a:effectRef>
-          <a:fontRef idx="minor">
-            <a:schemeClr val="tx1"/>
-          </a:fontRef>
-        </p:style>
-      </p:cxnSp>
     </p:spTree>
     <p:extLst>
       <p:ext uri="{BB962C8B-B14F-4D97-AF65-F5344CB8AC3E}">
@@ -6062,15 +5986,7 @@
           <a:p>
             <a:r>
               <a:rPr lang="it-CH" sz="2000" dirty="0"/>
-              <a:t>Implement and train a tailor-made </a:t>
-            </a:r>
-            <a:r>
-              <a:rPr lang="it-CH" sz="2000"/>
-              <a:t>architecture consistent </a:t>
-            </a:r>
-            <a:r>
-              <a:rPr lang="it-CH" sz="2000" dirty="0"/>
-              <a:t>with all the physics constraints assumed for model #3:</a:t>
+              <a:t>Implement and train a tailor-made architecture consistent with all the physics constraints assumed for model #3:</a:t>
             </a:r>
           </a:p>
           <a:p>
@@ -6097,7 +6013,7 @@
           </p:nvPr>
         </p:nvPicPr>
         <p:blipFill>
-          <a:blip r:embed="rId6">
+          <a:blip r:embed="rId5">
             <a:extLst>
               <a:ext uri="{28A0092B-C50C-407E-A947-70E740481C1C}">
                 <a14:useLocalDpi xmlns:a14="http://schemas.microsoft.com/office/drawing/2010/main" val="0"/>
@@ -6110,7 +6026,7 @@
         </p:blipFill>
         <p:spPr>
           <a:xfrm>
-            <a:off x="1090836" y="1757427"/>
+            <a:off x="3159122" y="1868292"/>
             <a:ext cx="4606561" cy="827526"/>
           </a:xfrm>
           <a:prstGeom prst="rect">
@@ -6120,10 +6036,10 @@
       </p:pic>
       <p:pic>
         <p:nvPicPr>
-          <p:cNvPr id="7" name="Picture 6" descr="\documentclass{article}&#10;\usepackage{amsmath}&#10;\newcommand{\sys}{S}&#10;\newcommand{\diss}{d}&#10;\newcommand{\learn}{\mathcal{L}} &#10;\newcommand{\free}{\mathcal{M}}  &#10;\newcommand{\D}{\mathcal{D}}&#10;\newcommand{\R}{\mathbb{R}}&#10;\newcommand{\nsamp}{N}&#10;\newcommand{\norm}[1]{\left\lVert#1\right\rVert}&#10;\newcommand{\E}{\mathbb{E}}&#10;\newcommand{\mdl}{M}&#10;\newcommand{\mdlstruc}{\mathcal{M}}&#10;\pagestyle{empty}&#10;&#10;\begin{document}&#10;&#10; \begin{equation*}&#10; \begin{split}&#10;  x_{k+1}^{\rm sim} &amp;= f(x_k^{\rm sim}, u_k;\;\theta)\\&#10;  \hat{y}_k^{\rm sim} &amp;= g(x_k;\;\theta)&#10;  \end{split}&#10; \end{equation*}&#10;&#10;\end{document}" title="IguanaTex Bitmap Display">
-            <a:extLst>
-              <a:ext uri="{FF2B5EF4-FFF2-40B4-BE49-F238E27FC236}">
-                <a16:creationId xmlns:a16="http://schemas.microsoft.com/office/drawing/2014/main" id="{72134C9B-7B82-803B-E469-9D4FAFFBC72E}"/>
+          <p:cNvPr id="5" name="Picture 4" descr="\documentclass{article}&#10;\usepackage{amsmath}&#10;\newcommand{\sys}{S}&#10;\newcommand{\diss}{d}&#10;\newcommand{\learn}{\mathcal{L}} &#10;\newcommand{\free}{\mathcal{M}}  &#10;\newcommand{\D}{\mathcal{D}}&#10;\newcommand{\R}{\mathbb{R}}&#10;\newcommand{\nsamp}{N}&#10;\newcommand{\norm}[1]{\left\lVert#1\right\rVert}&#10;\newcommand{\E}{\mathbb{E}}&#10;\newcommand{\mdl}{M}&#10;\newcommand{\mdlstruc}{\mathcal{M}}&#10;\pagestyle{empty}&#10;&#10;\begin{document}&#10;&#10;\begin{align*}&#10;\dot x_1 &amp;= f_1(x_1, u; \theta) \\&#10;\dot x_2 &amp;= f_2(x_1, x_2, u; \theta) \\&#10;y &amp;= x_2&#10;\end{align*}&#10;&#10;\end{document}" title="IguanaTex Bitmap Display">
+            <a:extLst>
+              <a:ext uri="{FF2B5EF4-FFF2-40B4-BE49-F238E27FC236}">
+                <a16:creationId xmlns:a16="http://schemas.microsoft.com/office/drawing/2014/main" id="{23380F64-1B3F-FD31-2D53-8A003FF7B6B1}"/>
               </a:ext>
             </a:extLst>
           </p:cNvPr>
@@ -6137,83 +6053,7 @@
           </p:nvPr>
         </p:nvPicPr>
         <p:blipFill>
-          <a:blip r:embed="rId7">
-            <a:extLst>
-              <a:ext uri="{28A0092B-C50C-407E-A947-70E740481C1C}">
-                <a14:useLocalDpi xmlns:a14="http://schemas.microsoft.com/office/drawing/2010/main" val="0"/>
-              </a:ext>
-            </a:extLst>
-          </a:blip>
-          <a:stretch>
-            <a:fillRect/>
-          </a:stretch>
-        </p:blipFill>
-        <p:spPr>
-          <a:xfrm>
-            <a:off x="6981238" y="1757427"/>
-            <a:ext cx="2574282" cy="783477"/>
-          </a:xfrm>
-          <a:prstGeom prst="rect">
-            <a:avLst/>
-          </a:prstGeom>
-        </p:spPr>
-      </p:pic>
-      <p:cxnSp>
-        <p:nvCxnSpPr>
-          <p:cNvPr id="11" name="Straight Connector 10">
-            <a:extLst>
-              <a:ext uri="{FF2B5EF4-FFF2-40B4-BE49-F238E27FC236}">
-                <a16:creationId xmlns:a16="http://schemas.microsoft.com/office/drawing/2014/main" id="{397B81AC-8C95-C867-AF01-2C5F8A1E0849}"/>
-              </a:ext>
-            </a:extLst>
-          </p:cNvPr>
-          <p:cNvCxnSpPr/>
-          <p:nvPr/>
-        </p:nvCxnSpPr>
-        <p:spPr>
-          <a:xfrm>
-            <a:off x="6282366" y="1713378"/>
-            <a:ext cx="0" cy="1020147"/>
-          </a:xfrm>
-          <a:prstGeom prst="line">
-            <a:avLst/>
-          </a:prstGeom>
-        </p:spPr>
-        <p:style>
-          <a:lnRef idx="1">
-            <a:schemeClr val="accent1"/>
-          </a:lnRef>
-          <a:fillRef idx="0">
-            <a:schemeClr val="accent1"/>
-          </a:fillRef>
-          <a:effectRef idx="0">
-            <a:schemeClr val="accent1"/>
-          </a:effectRef>
-          <a:fontRef idx="minor">
-            <a:schemeClr val="tx1"/>
-          </a:fontRef>
-        </p:style>
-      </p:cxnSp>
-      <p:pic>
-        <p:nvPicPr>
-          <p:cNvPr id="5" name="Picture 4" descr="\documentclass{article}&#10;\usepackage{amsmath}&#10;\newcommand{\sys}{S}&#10;\newcommand{\diss}{d}&#10;\newcommand{\learn}{\mathcal{L}} &#10;\newcommand{\free}{\mathcal{M}}  &#10;\newcommand{\D}{\mathcal{D}}&#10;\newcommand{\R}{\mathbb{R}}&#10;\newcommand{\nsamp}{N}&#10;\newcommand{\norm}[1]{\left\lVert#1\right\rVert}&#10;\newcommand{\E}{\mathbb{E}}&#10;\newcommand{\mdl}{M}&#10;\newcommand{\mdlstruc}{\mathcal{M}}&#10;\pagestyle{empty}&#10;&#10;\begin{document}&#10;&#10;\begin{align*}&#10;\dot x_1 &amp;= f_1(x_1, u; \theta) \\&#10;\dot x_2 &amp;= f_2(x_1, x_2, u; \theta) \\&#10;y &amp;= x_2&#10;\end{align*}&#10;&#10;\end{document}" title="IguanaTex Bitmap Display">
-            <a:extLst>
-              <a:ext uri="{FF2B5EF4-FFF2-40B4-BE49-F238E27FC236}">
-                <a16:creationId xmlns:a16="http://schemas.microsoft.com/office/drawing/2014/main" id="{23380F64-1B3F-FD31-2D53-8A003FF7B6B1}"/>
-              </a:ext>
-            </a:extLst>
-          </p:cNvPr>
-          <p:cNvPicPr>
-            <a:picLocks noChangeAspect="1"/>
-          </p:cNvPicPr>
-          <p:nvPr>
-            <p:custDataLst>
-              <p:tags r:id="rId3"/>
-            </p:custDataLst>
-          </p:nvPr>
-        </p:nvPicPr>
-        <p:blipFill>
-          <a:blip r:embed="rId8">
+          <a:blip r:embed="rId6">
             <a:extLst>
               <a:ext uri="{28A0092B-C50C-407E-A947-70E740481C1C}">
                 <a14:useLocalDpi xmlns:a14="http://schemas.microsoft.com/office/drawing/2010/main" val="0"/>
@@ -6797,7 +6637,7 @@
           <a:p>
             <a:r>
               <a:rPr lang="it-CH" sz="2400" dirty="0"/>
-              <a:t>The dataset has just 1024 time points. We implement </a:t>
+              <a:t>The dataset has just N=1024 time points. We implement </a:t>
             </a:r>
             <a:r>
               <a:rPr lang="it-CH" sz="2400" b="1" dirty="0"/>
@@ -9470,10 +9310,10 @@
       </p:pic>
       <p:pic>
         <p:nvPicPr>
-          <p:cNvPr id="7" name="Picture 6" descr="\documentclass{article}&#10;\usepackage{amsmath}&#10;\newcommand{\sys}{S}&#10;\newcommand{\diss}{d}&#10;\newcommand{\learn}{\mathcal{L}} &#10;\newcommand{\free}{\mathcal{M}}  &#10;\newcommand{\D}{\mathcal{D}}&#10;\newcommand{\R}{\mathbb{R}}&#10;\newcommand{\nsamp}{N}&#10;\newcommand{\norm}[1]{\left\lVert#1\right\rVert}&#10;\newcommand{\E}{\mathbb{E}}&#10;\newcommand{\mdl}{M}&#10;\newcommand{\mdlstruc}{\mathcal{M}}&#10;\pagestyle{empty}&#10;&#10;\begin{document}&#10;&#10; \begin{equation*}&#10; \begin{split}&#10;  x_{k+1}^{\rm sim} &amp;= f(x_k^{\rm sim}, u_k;\;\theta)\\&#10;  \hat{y}_k^{\rm sim} &amp;= g(x_k;\;\theta)&#10;  \end{split}&#10; \end{equation*}&#10;&#10;\end{document}" title="IguanaTex Bitmap Display">
-            <a:extLst>
-              <a:ext uri="{FF2B5EF4-FFF2-40B4-BE49-F238E27FC236}">
-                <a16:creationId xmlns:a16="http://schemas.microsoft.com/office/drawing/2014/main" id="{72134C9B-7B82-803B-E469-9D4FAFFBC72E}"/>
+          <p:cNvPr id="6" name="Picture 5" descr="\documentclass{article}&#10;\usepackage{amsmath}&#10;\newcommand{\sys}{S}&#10;\newcommand{\diss}{d}&#10;\newcommand{\learn}{\mathcal{L}} &#10;\newcommand{\free}{\mathcal{M}}  &#10;\newcommand{\D}{\mathcal{D}}&#10;\newcommand{\R}{\mathbb{R}}&#10;\newcommand{\nsamp}{N}&#10;\newcommand{\norm}[1]{\left\lVert#1\right\rVert}&#10;\newcommand{\E}{\mathbb{E}}&#10;\newcommand{\mdl}{M}&#10;\newcommand{\mdlstruc}{\mathcal{M}}&#10;\pagestyle{empty}&#10;&#10;\begin{document}&#10;&#10; \begin{equation*}&#10; \begin{split}&#10;  x_{k+1} &amp;= x_k + f(x_k, u_k;\;\theta)\\&#10;  \hat{y}_k^{\rm sim} &amp;= g(x_k;\;\theta)&#10;  \end{split}&#10; \end{equation*}&#10;&#10;\end{document}" title="IguanaTex Bitmap Display">
+            <a:extLst>
+              <a:ext uri="{FF2B5EF4-FFF2-40B4-BE49-F238E27FC236}">
+                <a16:creationId xmlns:a16="http://schemas.microsoft.com/office/drawing/2014/main" id="{919B4777-B83E-405D-7224-BD57CCC7A0B3}"/>
               </a:ext>
             </a:extLst>
           </p:cNvPr>
@@ -9501,7 +9341,7 @@
         <p:spPr>
           <a:xfrm>
             <a:off x="6981238" y="1757427"/>
-            <a:ext cx="2574282" cy="783477"/>
+            <a:ext cx="2994002" cy="755496"/>
           </a:xfrm>
           <a:prstGeom prst="rect">
             <a:avLst/>
@@ -10289,8 +10129,8 @@
           </a:fontRef>
         </p:style>
       </p:cxnSp>
-      <mc:AlternateContent xmlns:mc="http://schemas.openxmlformats.org/markup-compatibility/2006" xmlns:a14="http://schemas.microsoft.com/office/drawing/2010/main">
-        <mc:Choice Requires="a14">
+      <mc:AlternateContent xmlns:mc="http://schemas.openxmlformats.org/markup-compatibility/2006">
+        <mc:Choice xmlns:a14="http://schemas.microsoft.com/office/drawing/2010/main" Requires="a14">
           <p:sp>
             <p:nvSpPr>
               <p:cNvPr id="2" name="CasellaDiTesto 1">
@@ -10437,8 +10277,13 @@
                 </a:pPr>
                 <a:r>
                   <a:rPr lang="it-CH" sz="2000" dirty="0"/>
-                  <a:t>We need to specify to the optimizer that we are optimizing</a:t>
+                  <a:t>We need to </a:t>
                 </a:r>
+                <a:r>
+                  <a:rPr lang="it-CH" sz="2000"/>
+                  <a:t>specify all the optimization variables to the optimizer</a:t>
+                </a:r>
+                <a:endParaRPr lang="it-CH" sz="2000" dirty="0"/>
               </a:p>
               <a:p>
                 <a:endParaRPr lang="it-CH" sz="2000" dirty="0"/>
@@ -10449,7 +10294,7 @@
             </p:txBody>
           </p:sp>
         </mc:Choice>
-        <mc:Fallback xmlns="">
+        <mc:Fallback>
           <p:sp>
             <p:nvSpPr>
               <p:cNvPr id="2" name="CasellaDiTesto 1">
@@ -10968,13 +10813,13 @@
 <file path=ppt/tags/tag2.xml><?xml version="1.0" encoding="utf-8"?>
 <p:tagLst xmlns:a="http://schemas.openxmlformats.org/drawingml/2006/main" xmlns:r="http://schemas.openxmlformats.org/officeDocument/2006/relationships" xmlns:p="http://schemas.openxmlformats.org/presentationml/2006/main">
   <p:tag name="OUTPUTDPI" val="1200"/>
-  <p:tag name="ORIGINALHEIGHT" val="28"/>
-  <p:tag name="ORIGINALWIDTH" val="92"/>
+  <p:tag name="ORIGINALHEIGHT" val="27"/>
+  <p:tag name="ORIGINALWIDTH" val="107"/>
   <p:tag name="OUTPUTTYPE" val="PDF"/>
   <p:tag name="IGUANATEXVERSION" val="160"/>
-  <p:tag name="LATEXADDIN" val="\documentclass{article}&#10;\usepackage{amsmath}&#10;\newcommand{\sys}{S}&#10;\newcommand{\diss}{d}&#10;\newcommand{\learn}{\mathcal{L}} &#10;\newcommand{\free}{\mathcal{M}}  &#10;\newcommand{\D}{\mathcal{D}}&#10;\newcommand{\R}{\mathbb{R}}&#10;\newcommand{\nsamp}{N}&#10;\newcommand{\norm}[1]{\left\lVert#1\right\rVert}&#10;\newcommand{\E}{\mathbb{E}}&#10;\newcommand{\mdl}{M}&#10;\newcommand{\mdlstruc}{\mathcal{M}}&#10;\pagestyle{empty}&#10;&#10;\begin{document}&#10;&#10; \begin{equation*}&#10; \begin{split}&#10;  x_{k+1}^{\rm sim} &amp;= f(x_k^{\rm sim}, u_k;\;\theta)\\&#10;  \hat{y}_k^{\rm sim} &amp;= g(x_k;\;\theta)&#10;  \end{split}&#10; \end{equation*}&#10;&#10;\end{document}"/>
+  <p:tag name="LATEXADDIN" val="\documentclass{article}&#10;\usepackage{amsmath}&#10;\newcommand{\sys}{S}&#10;\newcommand{\diss}{d}&#10;\newcommand{\learn}{\mathcal{L}} &#10;\newcommand{\free}{\mathcal{M}}  &#10;\newcommand{\D}{\mathcal{D}}&#10;\newcommand{\R}{\mathbb{R}}&#10;\newcommand{\nsamp}{N}&#10;\newcommand{\norm}[1]{\left\lVert#1\right\rVert}&#10;\newcommand{\E}{\mathbb{E}}&#10;\newcommand{\mdl}{M}&#10;\newcommand{\mdlstruc}{\mathcal{M}}&#10;\pagestyle{empty}&#10;&#10;\begin{document}&#10;&#10; \begin{equation*}&#10; \begin{split}&#10;  x_{k+1} &amp;= x_k + f(x_k, u_k;\;\theta)\\&#10;  \hat{y}_k^{\rm sim} &amp;= g(x_k;\;\theta)&#10;  \end{split}&#10; \end{equation*}&#10;&#10;\end{document}"/>
   <p:tag name="IGUANATEXSIZE" val="24"/>
-  <p:tag name="IGUANATEXCURSOR" val="522"/>
+  <p:tag name="IGUANATEXCURSOR" val="465"/>
   <p:tag name="TRANSPARENCY" val="True"/>
   <p:tag name="LATEXENGINEID" val="0"/>
   <p:tag name="TEMPFOLDER" val="/Users/marco.forgione/Library/Containers/com.microsoft.Powerpoint/Data/tmp/TemporaryItems/"/>
@@ -11008,26 +10853,6 @@
 <file path=ppt/tags/tag4.xml><?xml version="1.0" encoding="utf-8"?>
 <p:tagLst xmlns:a="http://schemas.openxmlformats.org/drawingml/2006/main" xmlns:r="http://schemas.openxmlformats.org/officeDocument/2006/relationships" xmlns:p="http://schemas.openxmlformats.org/presentationml/2006/main">
   <p:tag name="OUTPUTDPI" val="1200"/>
-  <p:tag name="ORIGINALHEIGHT" val="28"/>
-  <p:tag name="ORIGINALWIDTH" val="92"/>
-  <p:tag name="OUTPUTTYPE" val="PDF"/>
-  <p:tag name="IGUANATEXVERSION" val="160"/>
-  <p:tag name="LATEXADDIN" val="\documentclass{article}&#10;\usepackage{amsmath}&#10;\newcommand{\sys}{S}&#10;\newcommand{\diss}{d}&#10;\newcommand{\learn}{\mathcal{L}} &#10;\newcommand{\free}{\mathcal{M}}  &#10;\newcommand{\D}{\mathcal{D}}&#10;\newcommand{\R}{\mathbb{R}}&#10;\newcommand{\nsamp}{N}&#10;\newcommand{\norm}[1]{\left\lVert#1\right\rVert}&#10;\newcommand{\E}{\mathbb{E}}&#10;\newcommand{\mdl}{M}&#10;\newcommand{\mdlstruc}{\mathcal{M}}&#10;\pagestyle{empty}&#10;&#10;\begin{document}&#10;&#10; \begin{equation*}&#10; \begin{split}&#10;  x_{k+1}^{\rm sim} &amp;= f(x_k^{\rm sim}, u_k;\;\theta)\\&#10;  \hat{y}_k^{\rm sim} &amp;= g(x_k;\;\theta)&#10;  \end{split}&#10; \end{equation*}&#10;&#10;\end{document}"/>
-  <p:tag name="IGUANATEXSIZE" val="24"/>
-  <p:tag name="IGUANATEXCURSOR" val="522"/>
-  <p:tag name="TRANSPARENCY" val="True"/>
-  <p:tag name="LATEXENGINEID" val="0"/>
-  <p:tag name="TEMPFOLDER" val="/Users/marco.forgione/Library/Containers/com.microsoft.Powerpoint/Data/tmp/TemporaryItems/"/>
-  <p:tag name="LATEXFORMHEIGHT" val="426.65"/>
-  <p:tag name="LATEXFORMWIDTH" val="513.35"/>
-  <p:tag name="LATEXFORMWRAP" val="True"/>
-  <p:tag name="BITMAPVECTOR" val="0"/>
-</p:tagLst>
-</file>
-
-<file path=ppt/tags/tag5.xml><?xml version="1.0" encoding="utf-8"?>
-<p:tagLst xmlns:a="http://schemas.openxmlformats.org/drawingml/2006/main" xmlns:r="http://schemas.openxmlformats.org/officeDocument/2006/relationships" xmlns:p="http://schemas.openxmlformats.org/presentationml/2006/main">
-  <p:tag name="OUTPUTDPI" val="1200"/>
   <p:tag name="ORIGINALHEIGHT" val="30"/>
   <p:tag name="ORIGINALWIDTH" val="167"/>
   <p:tag name="OUTPUTTYPE" val="PDF"/>
@@ -11045,27 +10870,7 @@
 </p:tagLst>
 </file>
 
-<file path=ppt/tags/tag6.xml><?xml version="1.0" encoding="utf-8"?>
-<p:tagLst xmlns:a="http://schemas.openxmlformats.org/drawingml/2006/main" xmlns:r="http://schemas.openxmlformats.org/officeDocument/2006/relationships" xmlns:p="http://schemas.openxmlformats.org/presentationml/2006/main">
-  <p:tag name="OUTPUTDPI" val="1200"/>
-  <p:tag name="ORIGINALHEIGHT" val="28"/>
-  <p:tag name="ORIGINALWIDTH" val="92"/>
-  <p:tag name="OUTPUTTYPE" val="PDF"/>
-  <p:tag name="IGUANATEXVERSION" val="160"/>
-  <p:tag name="LATEXADDIN" val="\documentclass{article}&#10;\usepackage{amsmath}&#10;\newcommand{\sys}{S}&#10;\newcommand{\diss}{d}&#10;\newcommand{\learn}{\mathcal{L}} &#10;\newcommand{\free}{\mathcal{M}}  &#10;\newcommand{\D}{\mathcal{D}}&#10;\newcommand{\R}{\mathbb{R}}&#10;\newcommand{\nsamp}{N}&#10;\newcommand{\norm}[1]{\left\lVert#1\right\rVert}&#10;\newcommand{\E}{\mathbb{E}}&#10;\newcommand{\mdl}{M}&#10;\newcommand{\mdlstruc}{\mathcal{M}}&#10;\pagestyle{empty}&#10;&#10;\begin{document}&#10;&#10; \begin{equation*}&#10; \begin{split}&#10;  x_{k+1}^{\rm sim} &amp;= f(x_k^{\rm sim}, u_k;\;\theta)\\&#10;  \hat{y}_k^{\rm sim} &amp;= g(x_k;\;\theta)&#10;  \end{split}&#10; \end{equation*}&#10;&#10;\end{document}"/>
-  <p:tag name="IGUANATEXSIZE" val="24"/>
-  <p:tag name="IGUANATEXCURSOR" val="522"/>
-  <p:tag name="TRANSPARENCY" val="True"/>
-  <p:tag name="LATEXENGINEID" val="0"/>
-  <p:tag name="TEMPFOLDER" val="/Users/marco.forgione/Library/Containers/com.microsoft.Powerpoint/Data/tmp/TemporaryItems/"/>
-  <p:tag name="LATEXFORMHEIGHT" val="426.65"/>
-  <p:tag name="LATEXFORMWIDTH" val="513.35"/>
-  <p:tag name="LATEXFORMWRAP" val="True"/>
-  <p:tag name="BITMAPVECTOR" val="0"/>
-</p:tagLst>
-</file>
-
-<file path=ppt/tags/tag7.xml><?xml version="1.0" encoding="utf-8"?>
+<file path=ppt/tags/tag5.xml><?xml version="1.0" encoding="utf-8"?>
 <p:tagLst xmlns:a="http://schemas.openxmlformats.org/drawingml/2006/main" xmlns:r="http://schemas.openxmlformats.org/officeDocument/2006/relationships" xmlns:p="http://schemas.openxmlformats.org/presentationml/2006/main">
   <p:tag name="OUTPUTDPI" val="1200"/>
   <p:tag name="ORIGINALHEIGHT" val="40"/>

--- a/Exercises/state_space/state_space_exercise.pptx
+++ b/Exercises/state_space/state_space_exercise.pptx
@@ -208,7 +208,7 @@
           <a:p>
             <a:fld id="{99D4630A-6D3B-4C97-A7DC-509EB0048625}" type="datetimeFigureOut">
               <a:rPr lang="it-CH" smtClean="0"/>
-              <a:t>20.04.24</a:t>
+              <a:t>21.04.24</a:t>
             </a:fld>
             <a:endParaRPr lang="it-CH"/>
           </a:p>
@@ -1647,7 +1647,7 @@
           <a:p>
             <a:fld id="{2A147C38-CC24-4E9D-9FE1-BE5105214113}" type="datetimeFigureOut">
               <a:rPr lang="it-CH" smtClean="0"/>
-              <a:t>20.04.24</a:t>
+              <a:t>21.04.24</a:t>
             </a:fld>
             <a:endParaRPr lang="it-CH"/>
           </a:p>
@@ -1855,7 +1855,7 @@
           <a:p>
             <a:fld id="{2A147C38-CC24-4E9D-9FE1-BE5105214113}" type="datetimeFigureOut">
               <a:rPr lang="it-CH" smtClean="0"/>
-              <a:t>20.04.24</a:t>
+              <a:t>21.04.24</a:t>
             </a:fld>
             <a:endParaRPr lang="it-CH"/>
           </a:p>
@@ -2068,7 +2068,7 @@
           <a:p>
             <a:fld id="{2A147C38-CC24-4E9D-9FE1-BE5105214113}" type="datetimeFigureOut">
               <a:rPr lang="it-CH" smtClean="0"/>
-              <a:t>20.04.24</a:t>
+              <a:t>21.04.24</a:t>
             </a:fld>
             <a:endParaRPr lang="it-CH"/>
           </a:p>
@@ -2399,7 +2399,7 @@
           <a:p>
             <a:fld id="{2A147C38-CC24-4E9D-9FE1-BE5105214113}" type="datetimeFigureOut">
               <a:rPr lang="it-CH" smtClean="0"/>
-              <a:t>20.04.24</a:t>
+              <a:t>21.04.24</a:t>
             </a:fld>
             <a:endParaRPr lang="it-CH"/>
           </a:p>
@@ -2678,7 +2678,7 @@
           <a:p>
             <a:fld id="{2A147C38-CC24-4E9D-9FE1-BE5105214113}" type="datetimeFigureOut">
               <a:rPr lang="it-CH" smtClean="0"/>
-              <a:t>20.04.24</a:t>
+              <a:t>21.04.24</a:t>
             </a:fld>
             <a:endParaRPr lang="it-CH"/>
           </a:p>
@@ -2954,7 +2954,7 @@
           <a:p>
             <a:fld id="{2A147C38-CC24-4E9D-9FE1-BE5105214113}" type="datetimeFigureOut">
               <a:rPr lang="it-CH" smtClean="0"/>
-              <a:t>20.04.24</a:t>
+              <a:t>21.04.24</a:t>
             </a:fld>
             <a:endParaRPr lang="it-CH"/>
           </a:p>
@@ -3372,7 +3372,7 @@
           <a:p>
             <a:fld id="{2A147C38-CC24-4E9D-9FE1-BE5105214113}" type="datetimeFigureOut">
               <a:rPr lang="it-CH" smtClean="0"/>
-              <a:t>20.04.24</a:t>
+              <a:t>21.04.24</a:t>
             </a:fld>
             <a:endParaRPr lang="it-CH"/>
           </a:p>
@@ -3522,7 +3522,7 @@
           <a:p>
             <a:fld id="{2A147C38-CC24-4E9D-9FE1-BE5105214113}" type="datetimeFigureOut">
               <a:rPr lang="it-CH" smtClean="0"/>
-              <a:t>20.04.24</a:t>
+              <a:t>21.04.24</a:t>
             </a:fld>
             <a:endParaRPr lang="it-CH"/>
           </a:p>
@@ -3635,7 +3635,7 @@
           <a:p>
             <a:fld id="{2A147C38-CC24-4E9D-9FE1-BE5105214113}" type="datetimeFigureOut">
               <a:rPr lang="it-CH" smtClean="0"/>
-              <a:t>20.04.24</a:t>
+              <a:t>21.04.24</a:t>
             </a:fld>
             <a:endParaRPr lang="it-CH"/>
           </a:p>
@@ -3951,7 +3951,7 @@
           <a:p>
             <a:fld id="{2A147C38-CC24-4E9D-9FE1-BE5105214113}" type="datetimeFigureOut">
               <a:rPr lang="it-CH" smtClean="0"/>
-              <a:t>20.04.24</a:t>
+              <a:t>21.04.24</a:t>
             </a:fld>
             <a:endParaRPr lang="it-CH"/>
           </a:p>
@@ -4243,7 +4243,7 @@
           <a:p>
             <a:fld id="{2A147C38-CC24-4E9D-9FE1-BE5105214113}" type="datetimeFigureOut">
               <a:rPr lang="it-CH" smtClean="0"/>
-              <a:t>20.04.24</a:t>
+              <a:t>21.04.24</a:t>
             </a:fld>
             <a:endParaRPr lang="it-CH"/>
           </a:p>
@@ -4486,7 +4486,7 @@
           <a:p>
             <a:fld id="{2A147C38-CC24-4E9D-9FE1-BE5105214113}" type="datetimeFigureOut">
               <a:rPr lang="it-CH" smtClean="0"/>
-              <a:t>20.04.24</a:t>
+              <a:t>21.04.24</a:t>
             </a:fld>
             <a:endParaRPr lang="it-CH"/>
           </a:p>
@@ -8874,8 +8874,8 @@
           </a:fontRef>
         </p:style>
       </p:cxnSp>
-      <mc:AlternateContent xmlns:mc="http://schemas.openxmlformats.org/markup-compatibility/2006" xmlns:a14="http://schemas.microsoft.com/office/drawing/2010/main">
-        <mc:Choice Requires="a14">
+      <mc:AlternateContent xmlns:mc="http://schemas.openxmlformats.org/markup-compatibility/2006">
+        <mc:Choice xmlns:a14="http://schemas.microsoft.com/office/drawing/2010/main" Requires="a14">
           <p:sp>
             <p:nvSpPr>
               <p:cNvPr id="2" name="CasellaDiTesto 1">
@@ -9131,8 +9131,27 @@
                   <a:buChar char="•"/>
                 </a:pPr>
                 <a:r>
+                  <a:rPr lang="it-CH" sz="2000"/>
+                  <a:t>Training </a:t>
+                </a:r>
+                <a:r>
                   <a:rPr lang="it-CH" sz="2000" dirty="0"/>
-                  <a:t>Train also with respect to </a:t>
+                  <a:t>with respect to both </a:t>
+                </a:r>
+                <a14:m>
+                  <m:oMath xmlns:m="http://schemas.openxmlformats.org/officeDocument/2006/math">
+                    <m:r>
+                      <a:rPr lang="it-CH" sz="2000" i="1" smtClean="0">
+                        <a:latin typeface="Cambria Math" panose="02040503050406030204" pitchFamily="18" charset="0"/>
+                        <a:ea typeface="Cambria Math" panose="02040503050406030204" pitchFamily="18" charset="0"/>
+                      </a:rPr>
+                      <m:t>𝜃</m:t>
+                    </m:r>
+                  </m:oMath>
+                </a14:m>
+                <a:r>
+                  <a:rPr lang="it-CH" sz="2000" dirty="0"/>
+                  <a:t> and </a:t>
                 </a:r>
                 <a14:m>
                   <m:oMath xmlns:m="http://schemas.openxmlformats.org/officeDocument/2006/math">
@@ -9223,7 +9242,7 @@
             </p:txBody>
           </p:sp>
         </mc:Choice>
-        <mc:Fallback xmlns="">
+        <mc:Fallback>
           <p:sp>
             <p:nvSpPr>
               <p:cNvPr id="2" name="CasellaDiTesto 1">
@@ -10129,8 +10148,8 @@
           </a:fontRef>
         </p:style>
       </p:cxnSp>
-      <mc:AlternateContent xmlns:mc="http://schemas.openxmlformats.org/markup-compatibility/2006">
-        <mc:Choice xmlns:a14="http://schemas.microsoft.com/office/drawing/2010/main" Requires="a14">
+      <mc:AlternateContent xmlns:mc="http://schemas.openxmlformats.org/markup-compatibility/2006" xmlns:a14="http://schemas.microsoft.com/office/drawing/2010/main">
+        <mc:Choice Requires="a14">
           <p:sp>
             <p:nvSpPr>
               <p:cNvPr id="2" name="CasellaDiTesto 1">
@@ -10294,7 +10313,7 @@
             </p:txBody>
           </p:sp>
         </mc:Choice>
-        <mc:Fallback>
+        <mc:Fallback xmlns="">
           <p:sp>
             <p:nvSpPr>
               <p:cNvPr id="2" name="CasellaDiTesto 1">
